--- a/slides/ppt_Presentation.pptx
+++ b/slides/ppt_Presentation.pptx
@@ -8,6 +8,7 @@
     <p:sldId id="256" r:id="rId2"/>
     <p:sldId id="257" r:id="rId3"/>
     <p:sldId id="258" r:id="rId4"/>
+    <p:sldId id="259" r:id="rId5"/>
   </p:sldIdLst>
   <p:sldSz cx="12192000" cy="6858000"/>
   <p:notesSz cx="6858000" cy="9144000"/>
@@ -106,6 +107,11 @@
       </a:defRPr>
     </a:lvl9pPr>
   </p:defaultTextStyle>
+  <p:extLst>
+    <p:ext uri="{EFAFB233-063F-42B5-8137-9DF3F51BA10A}">
+      <p15:sldGuideLst xmlns:p15="http://schemas.microsoft.com/office/powerpoint/2012/main"/>
+    </p:ext>
+  </p:extLst>
 </p:presentation>
 </file>
 
@@ -258,7 +264,7 @@
           <a:p>
             <a:fld id="{3918B37A-133C-40E9-9C0F-0756D192FD72}" type="datetimeFigureOut">
               <a:rPr lang="en-GB" smtClean="0"/>
-              <a:t>16/08/2022</a:t>
+              <a:t>17/08/2022</a:t>
             </a:fld>
             <a:endParaRPr lang="en-GB"/>
           </a:p>
@@ -458,7 +464,7 @@
           <a:p>
             <a:fld id="{3918B37A-133C-40E9-9C0F-0756D192FD72}" type="datetimeFigureOut">
               <a:rPr lang="en-GB" smtClean="0"/>
-              <a:t>16/08/2022</a:t>
+              <a:t>17/08/2022</a:t>
             </a:fld>
             <a:endParaRPr lang="en-GB"/>
           </a:p>
@@ -668,7 +674,7 @@
           <a:p>
             <a:fld id="{3918B37A-133C-40E9-9C0F-0756D192FD72}" type="datetimeFigureOut">
               <a:rPr lang="en-GB" smtClean="0"/>
-              <a:t>16/08/2022</a:t>
+              <a:t>17/08/2022</a:t>
             </a:fld>
             <a:endParaRPr lang="en-GB"/>
           </a:p>
@@ -868,7 +874,7 @@
           <a:p>
             <a:fld id="{3918B37A-133C-40E9-9C0F-0756D192FD72}" type="datetimeFigureOut">
               <a:rPr lang="en-GB" smtClean="0"/>
-              <a:t>16/08/2022</a:t>
+              <a:t>17/08/2022</a:t>
             </a:fld>
             <a:endParaRPr lang="en-GB"/>
           </a:p>
@@ -1144,7 +1150,7 @@
           <a:p>
             <a:fld id="{3918B37A-133C-40E9-9C0F-0756D192FD72}" type="datetimeFigureOut">
               <a:rPr lang="en-GB" smtClean="0"/>
-              <a:t>16/08/2022</a:t>
+              <a:t>17/08/2022</a:t>
             </a:fld>
             <a:endParaRPr lang="en-GB"/>
           </a:p>
@@ -1412,7 +1418,7 @@
           <a:p>
             <a:fld id="{3918B37A-133C-40E9-9C0F-0756D192FD72}" type="datetimeFigureOut">
               <a:rPr lang="en-GB" smtClean="0"/>
-              <a:t>16/08/2022</a:t>
+              <a:t>17/08/2022</a:t>
             </a:fld>
             <a:endParaRPr lang="en-GB"/>
           </a:p>
@@ -1827,7 +1833,7 @@
           <a:p>
             <a:fld id="{3918B37A-133C-40E9-9C0F-0756D192FD72}" type="datetimeFigureOut">
               <a:rPr lang="en-GB" smtClean="0"/>
-              <a:t>16/08/2022</a:t>
+              <a:t>17/08/2022</a:t>
             </a:fld>
             <a:endParaRPr lang="en-GB"/>
           </a:p>
@@ -1969,7 +1975,7 @@
           <a:p>
             <a:fld id="{3918B37A-133C-40E9-9C0F-0756D192FD72}" type="datetimeFigureOut">
               <a:rPr lang="en-GB" smtClean="0"/>
-              <a:t>16/08/2022</a:t>
+              <a:t>17/08/2022</a:t>
             </a:fld>
             <a:endParaRPr lang="en-GB"/>
           </a:p>
@@ -2082,7 +2088,7 @@
           <a:p>
             <a:fld id="{3918B37A-133C-40E9-9C0F-0756D192FD72}" type="datetimeFigureOut">
               <a:rPr lang="en-GB" smtClean="0"/>
-              <a:t>16/08/2022</a:t>
+              <a:t>17/08/2022</a:t>
             </a:fld>
             <a:endParaRPr lang="en-GB"/>
           </a:p>
@@ -2395,7 +2401,7 @@
           <a:p>
             <a:fld id="{3918B37A-133C-40E9-9C0F-0756D192FD72}" type="datetimeFigureOut">
               <a:rPr lang="en-GB" smtClean="0"/>
-              <a:t>16/08/2022</a:t>
+              <a:t>17/08/2022</a:t>
             </a:fld>
             <a:endParaRPr lang="en-GB"/>
           </a:p>
@@ -2684,7 +2690,7 @@
           <a:p>
             <a:fld id="{3918B37A-133C-40E9-9C0F-0756D192FD72}" type="datetimeFigureOut">
               <a:rPr lang="en-GB" smtClean="0"/>
-              <a:t>16/08/2022</a:t>
+              <a:t>17/08/2022</a:t>
             </a:fld>
             <a:endParaRPr lang="en-GB"/>
           </a:p>
@@ -2927,7 +2933,7 @@
           <a:p>
             <a:fld id="{3918B37A-133C-40E9-9C0F-0756D192FD72}" type="datetimeFigureOut">
               <a:rPr lang="en-GB" smtClean="0"/>
-              <a:t>16/08/2022</a:t>
+              <a:t>17/08/2022</a:t>
             </a:fld>
             <a:endParaRPr lang="en-GB"/>
           </a:p>
@@ -3365,7 +3371,7 @@
           <a:bodyPr/>
           <a:lstStyle/>
           <a:p>
-            <a:endParaRPr lang="en-GB"/>
+            <a:endParaRPr lang="en-GB" dirty="0"/>
           </a:p>
         </p:txBody>
       </p:sp>
@@ -3434,10 +3440,10 @@
       </p:grpSpPr>
       <p:sp useBgFill="1">
         <p:nvSpPr>
-          <p:cNvPr id="12" name="Rectangle 11">
-            <a:extLst>
-              <a:ext uri="{FF2B5EF4-FFF2-40B4-BE49-F238E27FC236}">
-                <a16:creationId xmlns:a16="http://schemas.microsoft.com/office/drawing/2014/main" id="{04812C46-200A-4DEB-A05E-3ED6C68C2387}"/>
+          <p:cNvPr id="35" name="Rectangle 29">
+            <a:extLst>
+              <a:ext uri="{FF2B5EF4-FFF2-40B4-BE49-F238E27FC236}">
+                <a16:creationId xmlns:a16="http://schemas.microsoft.com/office/drawing/2014/main" id="{3AFE8227-C443-417B-BA91-520EB1EF4559}"/>
               </a:ext>
               <a:ext uri="{C183D7F6-B498-43B3-948B-1728B52AA6E4}">
                 <adec:decorative xmlns:adec="http://schemas.microsoft.com/office/drawing/2017/decorative" val="1"/>
@@ -3457,8 +3463,8 @@
         </p:nvSpPr>
         <p:spPr>
           <a:xfrm>
-            <a:off x="-1" y="0"/>
-            <a:ext cx="12188952" cy="6858000"/>
+            <a:off x="0" y="2"/>
+            <a:ext cx="12192000" cy="6857997"/>
           </a:xfrm>
           <a:prstGeom prst="rect">
             <a:avLst/>
@@ -3492,12 +3498,48 @@
           </a:p>
         </p:txBody>
       </p:sp>
+      <p:sp>
+        <p:nvSpPr>
+          <p:cNvPr id="2" name="Title 1">
+            <a:extLst>
+              <a:ext uri="{FF2B5EF4-FFF2-40B4-BE49-F238E27FC236}">
+                <a16:creationId xmlns:a16="http://schemas.microsoft.com/office/drawing/2014/main" id="{548C0F81-A4C9-99EF-106B-5C019E230156}"/>
+              </a:ext>
+            </a:extLst>
+          </p:cNvPr>
+          <p:cNvSpPr>
+            <a:spLocks noGrp="1"/>
+          </p:cNvSpPr>
+          <p:nvPr>
+            <p:ph type="title"/>
+          </p:nvPr>
+        </p:nvSpPr>
+        <p:spPr>
+          <a:xfrm>
+            <a:off x="8643193" y="489507"/>
+            <a:ext cx="3091607" cy="1655483"/>
+          </a:xfrm>
+        </p:spPr>
+        <p:txBody>
+          <a:bodyPr anchor="b">
+            <a:normAutofit/>
+          </a:bodyPr>
+          <a:lstStyle/>
+          <a:p>
+            <a:r>
+              <a:rPr lang="en-US" sz="3700"/>
+              <a:t>Correlation Matrix of the Factors</a:t>
+            </a:r>
+            <a:endParaRPr lang="en-GB" sz="3700"/>
+          </a:p>
+        </p:txBody>
+      </p:sp>
       <p:pic>
         <p:nvPicPr>
-          <p:cNvPr id="5" name="Content Placeholder 4" descr="Table, treemap chart&#10;&#10;Description automatically generated">
-            <a:extLst>
-              <a:ext uri="{FF2B5EF4-FFF2-40B4-BE49-F238E27FC236}">
-                <a16:creationId xmlns:a16="http://schemas.microsoft.com/office/drawing/2014/main" id="{8ADF06C2-09B6-AFC5-53F1-7E37A519A916}"/>
+          <p:cNvPr id="4" name="Content Placeholder 3" descr="Table, treemap chart&#10;&#10;Description automatically generated">
+            <a:extLst>
+              <a:ext uri="{FF2B5EF4-FFF2-40B4-BE49-F238E27FC236}">
+                <a16:creationId xmlns:a16="http://schemas.microsoft.com/office/drawing/2014/main" id="{762FB12D-EEB6-6E35-DD4B-49F6C4266D60}"/>
               </a:ext>
             </a:extLst>
           </p:cNvPr>
@@ -3514,13 +3556,13 @@
               </a:ext>
             </a:extLst>
           </a:blip>
-          <a:srcRect r="9409" b="1"/>
+          <a:srcRect l="1761" r="16875"/>
           <a:stretch/>
         </p:blipFill>
         <p:spPr>
           <a:xfrm>
-            <a:off x="1" y="10"/>
-            <a:ext cx="9669642" cy="6857990"/>
+            <a:off x="20" y="431"/>
+            <a:ext cx="8115280" cy="6408311"/>
           </a:xfrm>
           <a:prstGeom prst="rect">
             <a:avLst/>
@@ -3529,10 +3571,60 @@
       </p:pic>
       <p:sp>
         <p:nvSpPr>
-          <p:cNvPr id="14" name="Rectangle 13">
-            <a:extLst>
-              <a:ext uri="{FF2B5EF4-FFF2-40B4-BE49-F238E27FC236}">
-                <a16:creationId xmlns:a16="http://schemas.microsoft.com/office/drawing/2014/main" id="{D1EA859B-E555-4109-94F3-6700E046E008}"/>
+          <p:cNvPr id="36" name="Content Placeholder 17">
+            <a:extLst>
+              <a:ext uri="{FF2B5EF4-FFF2-40B4-BE49-F238E27FC236}">
+                <a16:creationId xmlns:a16="http://schemas.microsoft.com/office/drawing/2014/main" id="{9E0A23DF-751D-C675-D5CF-9279108F1DF4}"/>
+              </a:ext>
+            </a:extLst>
+          </p:cNvPr>
+          <p:cNvSpPr>
+            <a:spLocks noGrp="1"/>
+          </p:cNvSpPr>
+          <p:nvPr>
+            <p:ph idx="1"/>
+          </p:nvPr>
+        </p:nvSpPr>
+        <p:spPr>
+          <a:xfrm>
+            <a:off x="8643193" y="2418408"/>
+            <a:ext cx="2942813" cy="3540265"/>
+          </a:xfrm>
+        </p:spPr>
+        <p:txBody>
+          <a:bodyPr>
+            <a:normAutofit/>
+          </a:bodyPr>
+          <a:lstStyle/>
+          <a:p>
+            <a:endParaRPr lang="en-US" sz="2000" dirty="0"/>
+          </a:p>
+          <a:p>
+            <a:endParaRPr lang="en-US" sz="2000" dirty="0"/>
+          </a:p>
+          <a:p>
+            <a:r>
+              <a:rPr lang="en-US" sz="2000" dirty="0"/>
+              <a:t>There are correlation between K and P.</a:t>
+            </a:r>
+          </a:p>
+          <a:p>
+            <a:endParaRPr lang="en-US" sz="2000" dirty="0"/>
+          </a:p>
+          <a:p>
+            <a:r>
+              <a:rPr lang="en-US" sz="2000" dirty="0"/>
+              <a:t>Are they similar?</a:t>
+            </a:r>
+          </a:p>
+        </p:txBody>
+      </p:sp>
+      <p:sp>
+        <p:nvSpPr>
+          <p:cNvPr id="37" name="Rectangle 31">
+            <a:extLst>
+              <a:ext uri="{FF2B5EF4-FFF2-40B4-BE49-F238E27FC236}">
+                <a16:creationId xmlns:a16="http://schemas.microsoft.com/office/drawing/2014/main" id="{907741FC-B544-4A6E-B831-6789D042333D}"/>
               </a:ext>
               <a:ext uri="{C183D7F6-B498-43B3-948B-1728B52AA6E4}">
                 <adec:decorative xmlns:adec="http://schemas.microsoft.com/office/drawing/2017/decorative" val="1"/>
@@ -3552,37 +3644,24 @@
         </p:nvSpPr>
         <p:spPr>
           <a:xfrm flipH="1">
-            <a:off x="5125019" y="0"/>
-            <a:ext cx="7066978" cy="6858000"/>
+            <a:off x="-1" y="6408741"/>
+            <a:ext cx="12191998" cy="457202"/>
           </a:xfrm>
           <a:prstGeom prst="rect">
             <a:avLst/>
           </a:prstGeom>
           <a:gradFill>
             <a:gsLst>
-              <a:gs pos="48000">
-                <a:schemeClr val="bg1"/>
-              </a:gs>
-              <a:gs pos="35000">
-                <a:schemeClr val="bg1">
-                  <a:alpha val="77000"/>
-                </a:schemeClr>
-              </a:gs>
-              <a:gs pos="19000">
-                <a:schemeClr val="bg1">
-                  <a:alpha val="38000"/>
-                </a:schemeClr>
-              </a:gs>
-              <a:gs pos="0">
-                <a:schemeClr val="bg1">
-                  <a:alpha val="0"/>
-                </a:schemeClr>
+              <a:gs pos="34000">
+                <a:srgbClr val="000000">
+                  <a:alpha val="96000"/>
+                </a:srgbClr>
               </a:gs>
               <a:gs pos="100000">
-                <a:schemeClr val="bg1"/>
+                <a:schemeClr val="accent1"/>
               </a:gs>
             </a:gsLst>
-            <a:lin ang="10800000" scaled="0"/>
+            <a:lin ang="8400000" scaled="0"/>
           </a:gradFill>
           <a:ln>
             <a:noFill/>
@@ -3609,71 +3688,83 @@
           <a:lstStyle/>
           <a:p>
             <a:pPr algn="ctr"/>
-            <a:endParaRPr lang="en-US" dirty="0"/>
-          </a:p>
-        </p:txBody>
-      </p:sp>
-      <p:sp>
-        <p:nvSpPr>
-          <p:cNvPr id="2" name="Title 1">
-            <a:extLst>
-              <a:ext uri="{FF2B5EF4-FFF2-40B4-BE49-F238E27FC236}">
-                <a16:creationId xmlns:a16="http://schemas.microsoft.com/office/drawing/2014/main" id="{548C0F81-A4C9-99EF-106B-5C019E230156}"/>
-              </a:ext>
-            </a:extLst>
-          </p:cNvPr>
-          <p:cNvSpPr>
-            <a:spLocks noGrp="1"/>
-          </p:cNvSpPr>
-          <p:nvPr>
-            <p:ph type="title"/>
+            <a:endParaRPr lang="en-US"/>
+          </a:p>
+        </p:txBody>
+      </p:sp>
+      <p:sp>
+        <p:nvSpPr>
+          <p:cNvPr id="34" name="Rectangle 33">
+            <a:extLst>
+              <a:ext uri="{FF2B5EF4-FFF2-40B4-BE49-F238E27FC236}">
+                <a16:creationId xmlns:a16="http://schemas.microsoft.com/office/drawing/2014/main" id="{3F0BE7ED-7814-4273-B18A-F26CC0380380}"/>
+              </a:ext>
+              <a:ext uri="{C183D7F6-B498-43B3-948B-1728B52AA6E4}">
+                <adec:decorative xmlns:adec="http://schemas.microsoft.com/office/drawing/2017/decorative" val="1"/>
+              </a:ext>
+            </a:extLst>
+          </p:cNvPr>
+          <p:cNvSpPr>
+            <a:spLocks noGrp="1" noRot="1" noChangeAspect="1" noMove="1" noResize="1" noEditPoints="1" noAdjustHandles="1" noChangeArrowheads="1" noChangeShapeType="1" noTextEdit="1"/>
+          </p:cNvSpPr>
+          <p:nvPr>
+            <p:extLst>
+              <p:ext uri="{386F3935-93C4-4BCD-93E2-E3B085C9AB24}">
+                <p16:designElem xmlns:p16="http://schemas.microsoft.com/office/powerpoint/2015/main" val="1"/>
+              </p:ext>
+            </p:extLst>
           </p:nvPr>
         </p:nvSpPr>
         <p:spPr>
-          <a:xfrm>
-            <a:off x="7531610" y="365125"/>
-            <a:ext cx="3822189" cy="1899912"/>
+          <a:xfrm flipH="1">
+            <a:off x="-4" y="6408742"/>
+            <a:ext cx="8115300" cy="449258"/>
           </a:xfrm>
+          <a:prstGeom prst="rect">
+            <a:avLst/>
+          </a:prstGeom>
+          <a:gradFill>
+            <a:gsLst>
+              <a:gs pos="28000">
+                <a:schemeClr val="accent1">
+                  <a:lumMod val="75000"/>
+                  <a:alpha val="59000"/>
+                </a:schemeClr>
+              </a:gs>
+              <a:gs pos="100000">
+                <a:srgbClr val="000000">
+                  <a:alpha val="70000"/>
+                </a:srgbClr>
+              </a:gs>
+            </a:gsLst>
+            <a:lin ang="11400000" scaled="0"/>
+          </a:gradFill>
+          <a:ln>
+            <a:noFill/>
+          </a:ln>
         </p:spPr>
-        <p:txBody>
-          <a:bodyPr>
-            <a:normAutofit/>
-          </a:bodyPr>
-          <a:lstStyle/>
-          <a:p>
-            <a:endParaRPr lang="en-GB" sz="4000"/>
-          </a:p>
-        </p:txBody>
-      </p:sp>
-      <p:sp>
-        <p:nvSpPr>
-          <p:cNvPr id="9" name="Content Placeholder 8">
-            <a:extLst>
-              <a:ext uri="{FF2B5EF4-FFF2-40B4-BE49-F238E27FC236}">
-                <a16:creationId xmlns:a16="http://schemas.microsoft.com/office/drawing/2014/main" id="{574B5923-A5D1-C6C2-F4AB-320115116880}"/>
-              </a:ext>
-            </a:extLst>
-          </p:cNvPr>
-          <p:cNvSpPr>
-            <a:spLocks noGrp="1"/>
-          </p:cNvSpPr>
-          <p:nvPr>
-            <p:ph idx="1"/>
-          </p:nvPr>
-        </p:nvSpPr>
-        <p:spPr>
-          <a:xfrm>
-            <a:off x="7531610" y="2434201"/>
-            <a:ext cx="3822189" cy="3742762"/>
-          </a:xfrm>
-        </p:spPr>
-        <p:txBody>
-          <a:bodyPr>
-            <a:normAutofit/>
-          </a:bodyPr>
-          <a:lstStyle/>
-          <a:p>
-            <a:endParaRPr lang="en-US" sz="2000" dirty="0"/>
+        <p:style>
+          <a:lnRef idx="2">
+            <a:schemeClr val="accent1">
+              <a:shade val="50000"/>
+            </a:schemeClr>
+          </a:lnRef>
+          <a:fillRef idx="1">
+            <a:schemeClr val="accent1"/>
+          </a:fillRef>
+          <a:effectRef idx="0">
+            <a:schemeClr val="accent1"/>
+          </a:effectRef>
+          <a:fontRef idx="minor">
+            <a:schemeClr val="lt1"/>
+          </a:fontRef>
+        </p:style>
+        <p:txBody>
+          <a:bodyPr rtlCol="0" anchor="ctr"/>
+          <a:lstStyle/>
+          <a:p>
+            <a:pPr algn="ctr"/>
+            <a:endParaRPr lang="en-US"/>
           </a:p>
         </p:txBody>
       </p:sp>
@@ -3693,6 +3784,14 @@
 <file path=ppt/slides/slide3.xml><?xml version="1.0" encoding="utf-8"?>
 <p:sld xmlns:a="http://schemas.openxmlformats.org/drawingml/2006/main" xmlns:r="http://schemas.openxmlformats.org/officeDocument/2006/relationships" xmlns:p="http://schemas.openxmlformats.org/presentationml/2006/main">
   <p:cSld>
+    <p:bg>
+      <p:bgPr>
+        <a:solidFill>
+          <a:schemeClr val="bg1"/>
+        </a:solidFill>
+        <a:effectLst/>
+      </p:bgPr>
+    </p:bg>
     <p:spTree>
       <p:nvGrpSpPr>
         <p:cNvPr id="1" name=""/>
@@ -3723,12 +3822,266 @@
             <p:ph type="title"/>
           </p:nvPr>
         </p:nvSpPr>
-        <p:spPr/>
-        <p:txBody>
-          <a:bodyPr/>
-          <a:lstStyle/>
-          <a:p>
-            <a:endParaRPr lang="en-GB"/>
+        <p:spPr>
+          <a:xfrm>
+            <a:off x="990600" y="338328"/>
+            <a:ext cx="10210800" cy="1078992"/>
+          </a:xfrm>
+        </p:spPr>
+        <p:txBody>
+          <a:bodyPr vert="horz" lIns="91440" tIns="45720" rIns="91440" bIns="45720" rtlCol="0" anchor="b">
+            <a:normAutofit/>
+          </a:bodyPr>
+          <a:lstStyle/>
+          <a:p>
+            <a:pPr algn="ctr"/>
+            <a:endParaRPr lang="en-US" sz="5400"/>
+          </a:p>
+        </p:txBody>
+      </p:sp>
+      <p:sp>
+        <p:nvSpPr>
+          <p:cNvPr id="10" name="Rectangle 9">
+            <a:extLst>
+              <a:ext uri="{FF2B5EF4-FFF2-40B4-BE49-F238E27FC236}">
+                <a16:creationId xmlns:a16="http://schemas.microsoft.com/office/drawing/2014/main" id="{70BDD0CE-06A4-404B-8A13-580229C1C923}"/>
+              </a:ext>
+              <a:ext uri="{C183D7F6-B498-43B3-948B-1728B52AA6E4}">
+                <adec:decorative xmlns:adec="http://schemas.microsoft.com/office/drawing/2017/decorative" val="1"/>
+              </a:ext>
+            </a:extLst>
+          </p:cNvPr>
+          <p:cNvSpPr>
+            <a:spLocks noGrp="1" noRot="1" noChangeAspect="1" noMove="1" noResize="1" noEditPoints="1" noAdjustHandles="1" noChangeArrowheads="1" noChangeShapeType="1" noTextEdit="1"/>
+          </p:cNvSpPr>
+          <p:nvPr>
+            <p:extLst>
+              <p:ext uri="{386F3935-93C4-4BCD-93E2-E3B085C9AB24}">
+                <p16:designElem xmlns:p16="http://schemas.microsoft.com/office/powerpoint/2015/main" val="1"/>
+              </p:ext>
+            </p:extLst>
+          </p:nvPr>
+        </p:nvSpPr>
+        <p:spPr>
+          <a:xfrm>
+            <a:off x="0" y="2141750"/>
+            <a:ext cx="12192000" cy="4716250"/>
+          </a:xfrm>
+          <a:prstGeom prst="rect">
+            <a:avLst/>
+          </a:prstGeom>
+          <a:solidFill>
+            <a:srgbClr val="465A55"/>
+          </a:solidFill>
+          <a:ln>
+            <a:noFill/>
+          </a:ln>
+        </p:spPr>
+        <p:style>
+          <a:lnRef idx="2">
+            <a:schemeClr val="accent1">
+              <a:shade val="50000"/>
+            </a:schemeClr>
+          </a:lnRef>
+          <a:fillRef idx="1">
+            <a:schemeClr val="accent1"/>
+          </a:fillRef>
+          <a:effectRef idx="0">
+            <a:schemeClr val="accent1"/>
+          </a:effectRef>
+          <a:fontRef idx="minor">
+            <a:schemeClr val="lt1"/>
+          </a:fontRef>
+        </p:style>
+        <p:txBody>
+          <a:bodyPr rtlCol="0" anchor="ctr"/>
+          <a:lstStyle/>
+          <a:p>
+            <a:pPr algn="ctr"/>
+            <a:endParaRPr lang="en-US"/>
+          </a:p>
+        </p:txBody>
+      </p:sp>
+      <p:sp>
+        <p:nvSpPr>
+          <p:cNvPr id="12" name="Rounded Rectangle 26">
+            <a:extLst>
+              <a:ext uri="{FF2B5EF4-FFF2-40B4-BE49-F238E27FC236}">
+                <a16:creationId xmlns:a16="http://schemas.microsoft.com/office/drawing/2014/main" id="{EE9899FA-8881-472C-AA59-D08A89CA8AEF}"/>
+              </a:ext>
+              <a:ext uri="{C183D7F6-B498-43B3-948B-1728B52AA6E4}">
+                <adec:decorative xmlns:adec="http://schemas.microsoft.com/office/drawing/2017/decorative" val="1"/>
+              </a:ext>
+            </a:extLst>
+          </p:cNvPr>
+          <p:cNvSpPr>
+            <a:spLocks noGrp="1" noRot="1" noChangeAspect="1" noMove="1" noResize="1" noEditPoints="1" noAdjustHandles="1" noChangeArrowheads="1" noChangeShapeType="1" noTextEdit="1"/>
+          </p:cNvSpPr>
+          <p:nvPr>
+            <p:extLst>
+              <p:ext uri="{386F3935-93C4-4BCD-93E2-E3B085C9AB24}">
+                <p16:designElem xmlns:p16="http://schemas.microsoft.com/office/powerpoint/2015/main" val="1"/>
+              </p:ext>
+            </p:extLst>
+          </p:nvPr>
+        </p:nvSpPr>
+        <p:spPr>
+          <a:xfrm>
+            <a:off x="321564" y="2423160"/>
+            <a:ext cx="5613569" cy="3930315"/>
+          </a:xfrm>
+          <a:prstGeom prst="roundRect">
+            <a:avLst>
+              <a:gd name="adj" fmla="val 0"/>
+            </a:avLst>
+          </a:prstGeom>
+          <a:solidFill>
+            <a:srgbClr val="FFFFFF"/>
+          </a:solidFill>
+          <a:ln w="9525">
+            <a:solidFill>
+              <a:srgbClr val="C8CACA"/>
+            </a:solidFill>
+          </a:ln>
+          <a:effectLst>
+            <a:outerShdw blurRad="57150" dist="19050" dir="5400000" algn="t" rotWithShape="0">
+              <a:prstClr val="black">
+                <a:alpha val="63000"/>
+              </a:prstClr>
+            </a:outerShdw>
+          </a:effectLst>
+        </p:spPr>
+        <p:style>
+          <a:lnRef idx="2">
+            <a:schemeClr val="accent1">
+              <a:shade val="50000"/>
+            </a:schemeClr>
+          </a:lnRef>
+          <a:fillRef idx="1">
+            <a:schemeClr val="accent1"/>
+          </a:fillRef>
+          <a:effectRef idx="0">
+            <a:schemeClr val="accent1"/>
+          </a:effectRef>
+          <a:fontRef idx="minor">
+            <a:schemeClr val="lt1"/>
+          </a:fontRef>
+        </p:style>
+        <p:txBody>
+          <a:bodyPr rtlCol="0" anchor="ctr"/>
+          <a:lstStyle/>
+          <a:p>
+            <a:pPr algn="ctr"/>
+            <a:endParaRPr lang="en-US"/>
+          </a:p>
+        </p:txBody>
+      </p:sp>
+      <p:pic>
+        <p:nvPicPr>
+          <p:cNvPr id="4" name="Picture 3" descr="Chart, histogram&#10;&#10;Description automatically generated">
+            <a:extLst>
+              <a:ext uri="{FF2B5EF4-FFF2-40B4-BE49-F238E27FC236}">
+                <a16:creationId xmlns:a16="http://schemas.microsoft.com/office/drawing/2014/main" id="{92705106-A096-34BB-BB9F-B13C2DB22648}"/>
+              </a:ext>
+            </a:extLst>
+          </p:cNvPr>
+          <p:cNvPicPr>
+            <a:picLocks noChangeAspect="1"/>
+          </p:cNvPicPr>
+          <p:nvPr/>
+        </p:nvPicPr>
+        <p:blipFill rotWithShape="1">
+          <a:blip r:embed="rId2">
+            <a:extLst>
+              <a:ext uri="{28A0092B-C50C-407E-A947-70E740481C1C}">
+                <a14:useLocalDpi xmlns:a14="http://schemas.microsoft.com/office/drawing/2010/main" val="0"/>
+              </a:ext>
+            </a:extLst>
+          </a:blip>
+          <a:srcRect r="23998"/>
+          <a:stretch/>
+        </p:blipFill>
+        <p:spPr>
+          <a:xfrm>
+            <a:off x="1552817" y="2742397"/>
+            <a:ext cx="3146998" cy="3291840"/>
+          </a:xfrm>
+          <a:prstGeom prst="rect">
+            <a:avLst/>
+          </a:prstGeom>
+        </p:spPr>
+      </p:pic>
+      <p:sp>
+        <p:nvSpPr>
+          <p:cNvPr id="14" name="Rounded Rectangle 16">
+            <a:extLst>
+              <a:ext uri="{FF2B5EF4-FFF2-40B4-BE49-F238E27FC236}">
+                <a16:creationId xmlns:a16="http://schemas.microsoft.com/office/drawing/2014/main" id="{080B7D90-3DF1-4514-B26D-616BE35553C9}"/>
+              </a:ext>
+              <a:ext uri="{C183D7F6-B498-43B3-948B-1728B52AA6E4}">
+                <adec:decorative xmlns:adec="http://schemas.microsoft.com/office/drawing/2017/decorative" val="1"/>
+              </a:ext>
+            </a:extLst>
+          </p:cNvPr>
+          <p:cNvSpPr>
+            <a:spLocks noGrp="1" noRot="1" noChangeAspect="1" noMove="1" noResize="1" noEditPoints="1" noAdjustHandles="1" noChangeArrowheads="1" noChangeShapeType="1" noTextEdit="1"/>
+          </p:cNvSpPr>
+          <p:nvPr>
+            <p:extLst>
+              <p:ext uri="{386F3935-93C4-4BCD-93E2-E3B085C9AB24}">
+                <p16:designElem xmlns:p16="http://schemas.microsoft.com/office/powerpoint/2015/main" val="1"/>
+              </p:ext>
+            </p:extLst>
+          </p:nvPr>
+        </p:nvSpPr>
+        <p:spPr>
+          <a:xfrm>
+            <a:off x="6254749" y="2423160"/>
+            <a:ext cx="5613569" cy="3930315"/>
+          </a:xfrm>
+          <a:prstGeom prst="roundRect">
+            <a:avLst>
+              <a:gd name="adj" fmla="val 0"/>
+            </a:avLst>
+          </a:prstGeom>
+          <a:solidFill>
+            <a:srgbClr val="FFFFFF"/>
+          </a:solidFill>
+          <a:ln w="9525">
+            <a:solidFill>
+              <a:srgbClr val="C8CACA"/>
+            </a:solidFill>
+          </a:ln>
+          <a:effectLst>
+            <a:outerShdw blurRad="57150" dist="19050" dir="5400000" algn="t" rotWithShape="0">
+              <a:prstClr val="black">
+                <a:alpha val="63000"/>
+              </a:prstClr>
+            </a:outerShdw>
+          </a:effectLst>
+        </p:spPr>
+        <p:style>
+          <a:lnRef idx="2">
+            <a:schemeClr val="accent1">
+              <a:shade val="50000"/>
+            </a:schemeClr>
+          </a:lnRef>
+          <a:fillRef idx="1">
+            <a:schemeClr val="accent1"/>
+          </a:fillRef>
+          <a:effectRef idx="0">
+            <a:schemeClr val="accent1"/>
+          </a:effectRef>
+          <a:fontRef idx="minor">
+            <a:schemeClr val="lt1"/>
+          </a:fontRef>
+        </p:style>
+        <p:txBody>
+          <a:bodyPr rtlCol="0" anchor="ctr"/>
+          <a:lstStyle/>
+          <a:p>
+            <a:pPr algn="ctr"/>
+            <a:endParaRPr lang="en-US"/>
           </a:p>
         </p:txBody>
       </p:sp>
@@ -3749,7 +4102,7 @@
           </p:nvPr>
         </p:nvPicPr>
         <p:blipFill>
-          <a:blip r:embed="rId2">
+          <a:blip r:embed="rId3">
             <a:extLst>
               <a:ext uri="{28A0092B-C50C-407E-A947-70E740481C1C}">
                 <a14:useLocalDpi xmlns:a14="http://schemas.microsoft.com/office/drawing/2010/main" val="0"/>
@@ -3762,15 +4115,123 @@
         </p:blipFill>
         <p:spPr>
           <a:xfrm>
-            <a:off x="3359327" y="1825625"/>
-            <a:ext cx="5473345" cy="4351338"/>
+            <a:off x="6995345" y="2744731"/>
+            <a:ext cx="4140678" cy="3291840"/>
           </a:xfrm>
+          <a:prstGeom prst="rect">
+            <a:avLst/>
+          </a:prstGeom>
         </p:spPr>
       </p:pic>
     </p:spTree>
     <p:extLst>
       <p:ext uri="{BB962C8B-B14F-4D97-AF65-F5344CB8AC3E}">
         <p14:creationId xmlns:p14="http://schemas.microsoft.com/office/powerpoint/2010/main" val="2466386696"/>
+      </p:ext>
+    </p:extLst>
+  </p:cSld>
+  <p:clrMapOvr>
+    <a:masterClrMapping/>
+  </p:clrMapOvr>
+</p:sld>
+</file>
+
+<file path=ppt/slides/slide4.xml><?xml version="1.0" encoding="utf-8"?>
+<p:sld xmlns:a="http://schemas.openxmlformats.org/drawingml/2006/main" xmlns:r="http://schemas.openxmlformats.org/officeDocument/2006/relationships" xmlns:p="http://schemas.openxmlformats.org/presentationml/2006/main">
+  <p:cSld>
+    <p:spTree>
+      <p:nvGrpSpPr>
+        <p:cNvPr id="1" name=""/>
+        <p:cNvGrpSpPr/>
+        <p:nvPr/>
+      </p:nvGrpSpPr>
+      <p:grpSpPr>
+        <a:xfrm>
+          <a:off x="0" y="0"/>
+          <a:ext cx="0" cy="0"/>
+          <a:chOff x="0" y="0"/>
+          <a:chExt cx="0" cy="0"/>
+        </a:xfrm>
+      </p:grpSpPr>
+      <p:sp>
+        <p:nvSpPr>
+          <p:cNvPr id="2" name="Title 1">
+            <a:extLst>
+              <a:ext uri="{FF2B5EF4-FFF2-40B4-BE49-F238E27FC236}">
+                <a16:creationId xmlns:a16="http://schemas.microsoft.com/office/drawing/2014/main" id="{C3B9CEE8-A5D7-47AF-5862-A9B1CB942D70}"/>
+              </a:ext>
+            </a:extLst>
+          </p:cNvPr>
+          <p:cNvSpPr>
+            <a:spLocks noGrp="1"/>
+          </p:cNvSpPr>
+          <p:nvPr>
+            <p:ph type="title"/>
+          </p:nvPr>
+        </p:nvSpPr>
+        <p:spPr/>
+        <p:txBody>
+          <a:bodyPr/>
+          <a:lstStyle/>
+          <a:p>
+            <a:endParaRPr lang="en-GB"/>
+          </a:p>
+        </p:txBody>
+      </p:sp>
+      <p:sp>
+        <p:nvSpPr>
+          <p:cNvPr id="3" name="Content Placeholder 2">
+            <a:extLst>
+              <a:ext uri="{FF2B5EF4-FFF2-40B4-BE49-F238E27FC236}">
+                <a16:creationId xmlns:a16="http://schemas.microsoft.com/office/drawing/2014/main" id="{A8312DF2-709F-1977-C23E-76C9E7BFDEC8}"/>
+              </a:ext>
+            </a:extLst>
+          </p:cNvPr>
+          <p:cNvSpPr>
+            <a:spLocks noGrp="1"/>
+          </p:cNvSpPr>
+          <p:nvPr>
+            <p:ph sz="half" idx="1"/>
+          </p:nvPr>
+        </p:nvSpPr>
+        <p:spPr/>
+        <p:txBody>
+          <a:bodyPr/>
+          <a:lstStyle/>
+          <a:p>
+            <a:endParaRPr lang="en-GB"/>
+          </a:p>
+        </p:txBody>
+      </p:sp>
+      <p:sp>
+        <p:nvSpPr>
+          <p:cNvPr id="4" name="Content Placeholder 3">
+            <a:extLst>
+              <a:ext uri="{FF2B5EF4-FFF2-40B4-BE49-F238E27FC236}">
+                <a16:creationId xmlns:a16="http://schemas.microsoft.com/office/drawing/2014/main" id="{D41784E7-0AAF-BE03-8A30-C92B657BDAAE}"/>
+              </a:ext>
+            </a:extLst>
+          </p:cNvPr>
+          <p:cNvSpPr>
+            <a:spLocks noGrp="1"/>
+          </p:cNvSpPr>
+          <p:nvPr>
+            <p:ph sz="half" idx="2"/>
+          </p:nvPr>
+        </p:nvSpPr>
+        <p:spPr/>
+        <p:txBody>
+          <a:bodyPr/>
+          <a:lstStyle/>
+          <a:p>
+            <a:endParaRPr lang="en-GB"/>
+          </a:p>
+        </p:txBody>
+      </p:sp>
+    </p:spTree>
+    <p:extLst>
+      <p:ext uri="{BB962C8B-B14F-4D97-AF65-F5344CB8AC3E}">
+        <p14:creationId xmlns:p14="http://schemas.microsoft.com/office/powerpoint/2010/main" val="3630791007"/>
       </p:ext>
     </p:extLst>
   </p:cSld>
